--- a/pslides/01_tabular_data.pptx
+++ b/pslides/01_tabular_data.pptx
@@ -272,7 +272,7 @@
           <a:p>
             <a:fld id="{7B9169B0-A344-9A43-AAD5-682508993835}" type="datetimeFigureOut">
               <a:rPr lang="fr-FR" smtClean="0"/>
-              <a:t>09/08/2022</a:t>
+              <a:t>26/11/2023</a:t>
             </a:fld>
             <a:endParaRPr lang="fr-FR"/>
           </a:p>
@@ -470,7 +470,7 @@
           <a:p>
             <a:fld id="{7B9169B0-A344-9A43-AAD5-682508993835}" type="datetimeFigureOut">
               <a:rPr lang="fr-FR" smtClean="0"/>
-              <a:t>09/08/2022</a:t>
+              <a:t>26/11/2023</a:t>
             </a:fld>
             <a:endParaRPr lang="fr-FR"/>
           </a:p>
@@ -678,7 +678,7 @@
           <a:p>
             <a:fld id="{7B9169B0-A344-9A43-AAD5-682508993835}" type="datetimeFigureOut">
               <a:rPr lang="fr-FR" smtClean="0"/>
-              <a:t>09/08/2022</a:t>
+              <a:t>26/11/2023</a:t>
             </a:fld>
             <a:endParaRPr lang="fr-FR"/>
           </a:p>
@@ -876,7 +876,7 @@
           <a:p>
             <a:fld id="{7B9169B0-A344-9A43-AAD5-682508993835}" type="datetimeFigureOut">
               <a:rPr lang="fr-FR" smtClean="0"/>
-              <a:t>09/08/2022</a:t>
+              <a:t>26/11/2023</a:t>
             </a:fld>
             <a:endParaRPr lang="fr-FR"/>
           </a:p>
@@ -1151,7 +1151,7 @@
           <a:p>
             <a:fld id="{7B9169B0-A344-9A43-AAD5-682508993835}" type="datetimeFigureOut">
               <a:rPr lang="fr-FR" smtClean="0"/>
-              <a:t>09/08/2022</a:t>
+              <a:t>26/11/2023</a:t>
             </a:fld>
             <a:endParaRPr lang="fr-FR"/>
           </a:p>
@@ -1416,7 +1416,7 @@
           <a:p>
             <a:fld id="{7B9169B0-A344-9A43-AAD5-682508993835}" type="datetimeFigureOut">
               <a:rPr lang="fr-FR" smtClean="0"/>
-              <a:t>09/08/2022</a:t>
+              <a:t>26/11/2023</a:t>
             </a:fld>
             <a:endParaRPr lang="fr-FR"/>
           </a:p>
@@ -1828,7 +1828,7 @@
           <a:p>
             <a:fld id="{7B9169B0-A344-9A43-AAD5-682508993835}" type="datetimeFigureOut">
               <a:rPr lang="fr-FR" smtClean="0"/>
-              <a:t>09/08/2022</a:t>
+              <a:t>26/11/2023</a:t>
             </a:fld>
             <a:endParaRPr lang="fr-FR"/>
           </a:p>
@@ -1969,7 +1969,7 @@
           <a:p>
             <a:fld id="{7B9169B0-A344-9A43-AAD5-682508993835}" type="datetimeFigureOut">
               <a:rPr lang="fr-FR" smtClean="0"/>
-              <a:t>09/08/2022</a:t>
+              <a:t>26/11/2023</a:t>
             </a:fld>
             <a:endParaRPr lang="fr-FR"/>
           </a:p>
@@ -2082,7 +2082,7 @@
           <a:p>
             <a:fld id="{7B9169B0-A344-9A43-AAD5-682508993835}" type="datetimeFigureOut">
               <a:rPr lang="fr-FR" smtClean="0"/>
-              <a:t>09/08/2022</a:t>
+              <a:t>26/11/2023</a:t>
             </a:fld>
             <a:endParaRPr lang="fr-FR"/>
           </a:p>
@@ -2393,7 +2393,7 @@
           <a:p>
             <a:fld id="{7B9169B0-A344-9A43-AAD5-682508993835}" type="datetimeFigureOut">
               <a:rPr lang="fr-FR" smtClean="0"/>
-              <a:t>09/08/2022</a:t>
+              <a:t>26/11/2023</a:t>
             </a:fld>
             <a:endParaRPr lang="fr-FR"/>
           </a:p>
@@ -2681,7 +2681,7 @@
           <a:p>
             <a:fld id="{7B9169B0-A344-9A43-AAD5-682508993835}" type="datetimeFigureOut">
               <a:rPr lang="fr-FR" smtClean="0"/>
-              <a:t>09/08/2022</a:t>
+              <a:t>26/11/2023</a:t>
             </a:fld>
             <a:endParaRPr lang="fr-FR"/>
           </a:p>
@@ -2922,7 +2922,7 @@
           <a:p>
             <a:fld id="{7B9169B0-A344-9A43-AAD5-682508993835}" type="datetimeFigureOut">
               <a:rPr lang="fr-FR" smtClean="0"/>
-              <a:t>09/08/2022</a:t>
+              <a:t>26/11/2023</a:t>
             </a:fld>
             <a:endParaRPr lang="fr-FR"/>
           </a:p>
@@ -3920,7 +3920,7 @@
           <a:p>
             <a:r>
               <a:rPr lang="fr-FR" sz="2000" noProof="1"/>
-              <a:t>The pipe operator (%&gt;%) allows us to pass the output of one function to the first input of another function. It is very useful in code for data science because we often apply a chain of different functions to a dataset. Conside this example that applies a sequence of functions to the number 8:</a:t>
+              <a:t>The pipe operator (|&gt;) allows us to pass the output of one function to the first input of another function. It is very useful in code for data science because we often apply a chain of different functions to a dataset. Conside this example that applies a sequence of functions to the number 8:</a:t>
             </a:r>
           </a:p>
           <a:p>
@@ -3967,7 +3967,7 @@
                   </a:schemeClr>
                 </a:solidFill>
               </a:rPr>
-              <a:t>8 %&gt;%</a:t>
+              <a:t>8 |&gt;</a:t>
             </a:r>
           </a:p>
           <a:p>
@@ -3979,7 +3979,7 @@
                   </a:schemeClr>
                 </a:solidFill>
               </a:rPr>
-              <a:t>	  exp() %&gt;%</a:t>
+              <a:t>	  exp() |&gt;</a:t>
             </a:r>
           </a:p>
           <a:p>
@@ -3991,7 +3991,7 @@
                   </a:schemeClr>
                 </a:solidFill>
               </a:rPr>
-              <a:t>	  log(base = 2) %&gt;%</a:t>
+              <a:t>	  log(base = 2) |&gt;</a:t>
             </a:r>
           </a:p>
           <a:p>
@@ -4003,7 +4003,7 @@
                   </a:schemeClr>
                 </a:solidFill>
               </a:rPr>
-              <a:t>	  tan() %&gt;%</a:t>
+              <a:t>	  tan() |&gt;</a:t>
             </a:r>
           </a:p>
           <a:p>
